--- a/Connection JPA, Hibernate + Spring.pptx
+++ b/Connection JPA, Hibernate + Spring.pptx
@@ -114,6 +114,11 @@
       </a:defRPr>
     </a:lvl9pPr>
   </p:defaultTextStyle>
+  <p:extLst>
+    <p:ext uri="{EFAFB233-063F-42B5-8137-9DF3F51BA10A}">
+      <p15:sldGuideLst xmlns:p15="http://schemas.microsoft.com/office/powerpoint/2012/main"/>
+    </p:ext>
+  </p:extLst>
 </p:presentation>
 </file>
 
@@ -269,7 +274,7 @@
           <a:p>
             <a:fld id="{13A8D257-C2F2-4723-A1F8-BBEAEF0633EF}" type="datetimeFigureOut">
               <a:rPr lang="es-MX" smtClean="0"/>
-              <a:t>04/05/2022</a:t>
+              <a:t>11/05/2022</a:t>
             </a:fld>
             <a:endParaRPr lang="es-MX"/>
           </a:p>
@@ -475,7 +480,7 @@
           <a:p>
             <a:fld id="{13A8D257-C2F2-4723-A1F8-BBEAEF0633EF}" type="datetimeFigureOut">
               <a:rPr lang="es-MX" smtClean="0"/>
-              <a:t>04/05/2022</a:t>
+              <a:t>11/05/2022</a:t>
             </a:fld>
             <a:endParaRPr lang="es-MX"/>
           </a:p>
@@ -686,7 +691,7 @@
           <a:p>
             <a:fld id="{13A8D257-C2F2-4723-A1F8-BBEAEF0633EF}" type="datetimeFigureOut">
               <a:rPr lang="es-MX" smtClean="0"/>
-              <a:t>04/05/2022</a:t>
+              <a:t>11/05/2022</a:t>
             </a:fld>
             <a:endParaRPr lang="es-MX"/>
           </a:p>
@@ -923,7 +928,7 @@
           <a:p>
             <a:fld id="{13A8D257-C2F2-4723-A1F8-BBEAEF0633EF}" type="datetimeFigureOut">
               <a:rPr lang="es-MX" smtClean="0"/>
-              <a:t>04/05/2022</a:t>
+              <a:t>11/05/2022</a:t>
             </a:fld>
             <a:endParaRPr lang="es-MX"/>
           </a:p>
@@ -1201,7 +1206,7 @@
           <a:p>
             <a:fld id="{13A8D257-C2F2-4723-A1F8-BBEAEF0633EF}" type="datetimeFigureOut">
               <a:rPr lang="es-MX" smtClean="0"/>
-              <a:t>04/05/2022</a:t>
+              <a:t>11/05/2022</a:t>
             </a:fld>
             <a:endParaRPr lang="es-MX"/>
           </a:p>
@@ -1474,7 +1479,7 @@
           <a:p>
             <a:fld id="{13A8D257-C2F2-4723-A1F8-BBEAEF0633EF}" type="datetimeFigureOut">
               <a:rPr lang="es-MX" smtClean="0"/>
-              <a:t>04/05/2022</a:t>
+              <a:t>11/05/2022</a:t>
             </a:fld>
             <a:endParaRPr lang="es-MX"/>
           </a:p>
@@ -1898,7 +1903,7 @@
           <a:p>
             <a:fld id="{13A8D257-C2F2-4723-A1F8-BBEAEF0633EF}" type="datetimeFigureOut">
               <a:rPr lang="es-MX" smtClean="0"/>
-              <a:t>04/05/2022</a:t>
+              <a:t>11/05/2022</a:t>
             </a:fld>
             <a:endParaRPr lang="es-MX"/>
           </a:p>
@@ -2039,7 +2044,7 @@
           <a:p>
             <a:fld id="{13A8D257-C2F2-4723-A1F8-BBEAEF0633EF}" type="datetimeFigureOut">
               <a:rPr lang="es-MX" smtClean="0"/>
-              <a:t>04/05/2022</a:t>
+              <a:t>11/05/2022</a:t>
             </a:fld>
             <a:endParaRPr lang="es-MX"/>
           </a:p>
@@ -2152,7 +2157,7 @@
           <a:p>
             <a:fld id="{13A8D257-C2F2-4723-A1F8-BBEAEF0633EF}" type="datetimeFigureOut">
               <a:rPr lang="es-MX" smtClean="0"/>
-              <a:t>04/05/2022</a:t>
+              <a:t>11/05/2022</a:t>
             </a:fld>
             <a:endParaRPr lang="es-MX"/>
           </a:p>
@@ -2469,7 +2474,7 @@
           <a:p>
             <a:fld id="{13A8D257-C2F2-4723-A1F8-BBEAEF0633EF}" type="datetimeFigureOut">
               <a:rPr lang="es-MX" smtClean="0"/>
-              <a:t>04/05/2022</a:t>
+              <a:t>11/05/2022</a:t>
             </a:fld>
             <a:endParaRPr lang="es-MX"/>
           </a:p>
@@ -2766,7 +2771,7 @@
           <a:p>
             <a:fld id="{13A8D257-C2F2-4723-A1F8-BBEAEF0633EF}" type="datetimeFigureOut">
               <a:rPr lang="es-MX" smtClean="0"/>
-              <a:t>04/05/2022</a:t>
+              <a:t>11/05/2022</a:t>
             </a:fld>
             <a:endParaRPr lang="es-MX"/>
           </a:p>
@@ -3045,7 +3050,7 @@
           <a:p>
             <a:fld id="{13A8D257-C2F2-4723-A1F8-BBEAEF0633EF}" type="datetimeFigureOut">
               <a:rPr lang="es-MX" smtClean="0"/>
-              <a:t>04/05/2022</a:t>
+              <a:t>11/05/2022</a:t>
             </a:fld>
             <a:endParaRPr lang="es-MX"/>
           </a:p>
@@ -3833,20 +3838,12 @@
           <a:p>
             <a:pPr algn="ctr"/>
             <a:r>
-              <a:rPr lang="es-MX" sz="1400" dirty="0" err="1">
-                <a:solidFill>
-                  <a:schemeClr val="tx1"/>
-                </a:solidFill>
-              </a:rPr>
-              <a:t>LocalContainerEntityManagerFactoryBean</a:t>
-            </a:r>
-            <a:r>
               <a:rPr lang="es-MX" sz="1400" dirty="0">
                 <a:solidFill>
                   <a:schemeClr val="tx1"/>
                 </a:solidFill>
               </a:rPr>
-              <a:t>}</a:t>
+              <a:t>LocalContainerEntityManagerFactoryBean}</a:t>
             </a:r>
           </a:p>
         </p:txBody>
@@ -4431,12 +4428,8 @@
           <a:lstStyle/>
           <a:p>
             <a:r>
-              <a:rPr lang="es-MX" sz="1600" dirty="0" err="1"/>
-              <a:t>EntityMaganerFactory</a:t>
-            </a:r>
-            <a:r>
               <a:rPr lang="es-MX" sz="1600" dirty="0"/>
-              <a:t>()</a:t>
+              <a:t>EntityMaganerFactory()</a:t>
             </a:r>
             <a:endParaRPr lang="es-MX" sz="2000" dirty="0"/>
           </a:p>
@@ -4494,14 +4487,14 @@
           <a:lstStyle/>
           <a:p>
             <a:r>
-              <a:rPr lang="es-MX" sz="2800" dirty="0" err="1">
+              <a:rPr lang="es-MX" sz="2800" b="1" dirty="0">
                 <a:solidFill>
                   <a:schemeClr val="tx1"/>
                 </a:solidFill>
               </a:rPr>
               <a:t>LocalContainerEntityManagerFactoryBean</a:t>
             </a:r>
-            <a:endParaRPr lang="es-MX" dirty="0"/>
+            <a:endParaRPr lang="es-MX" b="1" dirty="0"/>
           </a:p>
         </p:txBody>
       </p:sp>
@@ -4528,45 +4521,13 @@
           <a:p>
             <a:r>
               <a:rPr lang="es-MX" dirty="0"/>
-              <a:t>Esta </a:t>
-            </a:r>
-            <a:r>
-              <a:rPr lang="es-MX" dirty="0" err="1"/>
-              <a:t>interfas</a:t>
-            </a:r>
+              <a:t>Esta interfaz nos da control total sobre el “EntityMaganerFactory” teniendo una configuración personalizada y detallada. </a:t>
+            </a:r>
+          </a:p>
+          <a:p>
             <a:r>
               <a:rPr lang="es-MX" dirty="0"/>
-              <a:t> nos da control total sobre el “</a:t>
-            </a:r>
-            <a:r>
-              <a:rPr lang="es-MX" dirty="0" err="1"/>
-              <a:t>EntityMaganerFactory</a:t>
-            </a:r>
-            <a:r>
-              <a:rPr lang="es-MX" dirty="0"/>
-              <a:t>” teniendo una configuración </a:t>
-            </a:r>
-            <a:r>
-              <a:rPr lang="es-MX" dirty="0" err="1"/>
-              <a:t>personalida</a:t>
-            </a:r>
-            <a:r>
-              <a:rPr lang="es-MX" dirty="0"/>
-              <a:t> y detallada. </a:t>
-            </a:r>
-          </a:p>
-          <a:p>
-            <a:r>
-              <a:rPr lang="es-MX" dirty="0"/>
-              <a:t>Crea un “</a:t>
-            </a:r>
-            <a:r>
-              <a:rPr lang="es-MX" dirty="0" err="1"/>
-              <a:t>PersistenceUnitInfo</a:t>
-            </a:r>
-            <a:r>
-              <a:rPr lang="es-MX" dirty="0"/>
-              <a:t>” instancia basada en “Persistence.xml”.</a:t>
+              <a:t>Crea un “PersistenceUnitInfo” instancia basada en “Persistence.xml”.</a:t>
             </a:r>
           </a:p>
           <a:p>
@@ -6972,10 +6933,9 @@
           <a:lstStyle/>
           <a:p>
             <a:r>
-              <a:rPr lang="es-MX" b="1" dirty="0" err="1"/>
-              <a:t>EntityManager</a:t>
-            </a:r>
-            <a:endParaRPr lang="es-MX" b="1" dirty="0"/>
+              <a:rPr lang="es-MX" b="1" dirty="0"/>
+              <a:t>¿Qué es EntityManager?</a:t>
+            </a:r>
           </a:p>
         </p:txBody>
       </p:sp>
@@ -6997,7 +6957,7 @@
         </p:nvSpPr>
         <p:spPr>
           <a:xfrm>
-            <a:off x="749423" y="985421"/>
+            <a:off x="838200" y="1251751"/>
             <a:ext cx="10515600" cy="5007006"/>
           </a:xfrm>
         </p:spPr>
@@ -7008,59 +6968,84 @@
             <a:pPr algn="just"/>
             <a:r>
               <a:rPr lang="es-MX" dirty="0"/>
-              <a:t>Es una interfaz para gestionar el ciclo de vida de las instancias de entidad. Este mantiene un contexto de persistencia en el que se almacenaran todas las instancias de la entidad que gestione.</a:t>
+              <a:t>Define una conexión transaccional con la base de datos que debemos abrir y mantener abierta mientras estamos realizado operaciones. En este sentido realiza funciones similares a las de una conexión JDBC.</a:t>
             </a:r>
           </a:p>
           <a:p>
             <a:pPr algn="just"/>
             <a:r>
               <a:rPr lang="es-MX" dirty="0"/>
-              <a:t>Esta se define como una unidad de persistencia, pudiendo haber más de una unidad de persistencia en la aplicación.</a:t>
-            </a:r>
-          </a:p>
-        </p:txBody>
-      </p:sp>
-      <p:cxnSp>
-        <p:nvCxnSpPr>
-          <p:cNvPr id="9" name="Conector recto 8">
-            <a:extLst>
-              <a:ext uri="{FF2B5EF4-FFF2-40B4-BE49-F238E27FC236}">
-                <a16:creationId xmlns:a16="http://schemas.microsoft.com/office/drawing/2014/main" id="{4DC834C3-F4DC-4B89-842A-A9F61E8C2E44}"/>
-              </a:ext>
-            </a:extLst>
-          </p:cNvPr>
-          <p:cNvCxnSpPr/>
-          <p:nvPr/>
-        </p:nvCxnSpPr>
-        <p:spPr>
-          <a:xfrm>
-            <a:off x="795661" y="2760955"/>
-            <a:ext cx="10423124" cy="0"/>
-          </a:xfrm>
-          <a:prstGeom prst="line">
-            <a:avLst/>
-          </a:prstGeom>
-          <a:ln w="28575">
-            <a:solidFill>
-              <a:schemeClr val="tx1"/>
-            </a:solidFill>
-          </a:ln>
-        </p:spPr>
-        <p:style>
-          <a:lnRef idx="1">
-            <a:schemeClr val="accent1"/>
-          </a:lnRef>
-          <a:fillRef idx="0">
-            <a:schemeClr val="accent1"/>
-          </a:fillRef>
-          <a:effectRef idx="0">
-            <a:schemeClr val="accent1"/>
-          </a:effectRef>
-          <a:fontRef idx="minor">
-            <a:schemeClr val="tx1"/>
-          </a:fontRef>
-        </p:style>
-      </p:cxnSp>
+              <a:t>Además, mantiene en memoria una caché con las entidades que gestiona y es responsable de sincronizarlas correctamente con la base de datos cuando se realiza un </a:t>
+            </a:r>
+            <a:r>
+              <a:rPr lang="es-MX" dirty="0" err="1"/>
+              <a:t>flush</a:t>
+            </a:r>
+            <a:r>
+              <a:rPr lang="es-MX" dirty="0"/>
+              <a:t>. El conjunto de entidades que gestiona un </a:t>
+            </a:r>
+            <a:r>
+              <a:rPr lang="es-MX" dirty="0" err="1"/>
+              <a:t>entity</a:t>
+            </a:r>
+            <a:r>
+              <a:rPr lang="es-MX" dirty="0"/>
+              <a:t> manager se denomina su contexto de persistencia.</a:t>
+            </a:r>
+          </a:p>
+          <a:p>
+            <a:pPr marL="0" indent="0" algn="just">
+              <a:buNone/>
+            </a:pPr>
+            <a:r>
+              <a:rPr lang="es-MX" dirty="0"/>
+              <a:t>El </a:t>
+            </a:r>
+            <a:r>
+              <a:rPr lang="es-MX" i="1" dirty="0" err="1"/>
+              <a:t>entity</a:t>
+            </a:r>
+            <a:r>
+              <a:rPr lang="es-MX" i="1" dirty="0"/>
+              <a:t> manager </a:t>
+            </a:r>
+            <a:r>
+              <a:rPr lang="es-MX" dirty="0"/>
+              <a:t>se obtiene a través de una factoría del tipo EntityManagerFactory, que se configura mediante la especificación de una unidad de persistencia (</a:t>
+            </a:r>
+            <a:r>
+              <a:rPr lang="es-MX" dirty="0" err="1"/>
+              <a:t>persistence</a:t>
+            </a:r>
+            <a:r>
+              <a:rPr lang="es-MX" dirty="0"/>
+              <a:t> </a:t>
+            </a:r>
+            <a:r>
+              <a:rPr lang="es-MX" dirty="0" err="1"/>
+              <a:t>unit</a:t>
+            </a:r>
+            <a:r>
+              <a:rPr lang="es-MX" dirty="0"/>
+              <a:t> en inglés) definida en el fichero XML</a:t>
+            </a:r>
+            <a:r>
+              <a:rPr lang="es-MX" i="1" dirty="0"/>
+              <a:t> persistence.xml </a:t>
+            </a:r>
+            <a:r>
+              <a:rPr lang="es-MX" dirty="0"/>
+              <a:t>(En este caso en la clase de configuración a través de Spring ORM). </a:t>
+            </a:r>
+            <a:endParaRPr lang="es-MX" i="1" dirty="0"/>
+          </a:p>
+          <a:p>
+            <a:pPr algn="just"/>
+            <a:endParaRPr lang="es-MX" dirty="0"/>
+          </a:p>
+        </p:txBody>
+      </p:sp>
     </p:spTree>
     <p:extLst>
       <p:ext uri="{BB962C8B-B14F-4D97-AF65-F5344CB8AC3E}">
@@ -7726,42 +7711,21 @@
           </a:lstStyle>
           <a:p>
             <a:r>
-              <a:rPr lang="es-MX"/>
-              <a:t>Al utilizar la interfaz  </a:t>
-            </a:r>
-            <a:r>
-              <a:rPr lang="es-MX" b="1"/>
-              <a:t>“EntityManager” </a:t>
-            </a:r>
-            <a:r>
-              <a:rPr lang="es-MX"/>
-              <a:t>ya no estamos teniendo una relación con Hibernate, de manera que el cambio a otro ORM sería más fácil. </a:t>
-            </a:r>
-          </a:p>
-          <a:p>
-            <a:r>
-              <a:rPr lang="es-MX"/>
-              <a:t>Nos permite un paradigma totalmente orientado a Objetos. </a:t>
-            </a:r>
-          </a:p>
-          <a:p>
-            <a:r>
-              <a:rPr lang="es-MX"/>
-              <a:t>Elimina errores en tiempo de ejecución.</a:t>
-            </a:r>
-          </a:p>
-          <a:p>
-            <a:r>
-              <a:rPr lang="es-MX"/>
-              <a:t>Desarrollo más rápido.</a:t>
-            </a:r>
-          </a:p>
-          <a:p>
-            <a:r>
-              <a:rPr lang="es-MX"/>
-              <a:t>Mejora el mantenimiento de software. </a:t>
-            </a:r>
-            <a:endParaRPr lang="es-MX" dirty="0"/>
+              <a:rPr lang="es-MX" dirty="0"/>
+              <a:t>No ofrece toda la funcionalidad de usar funciones nativas.</a:t>
+            </a:r>
+          </a:p>
+          <a:p>
+            <a:r>
+              <a:rPr lang="es-MX" dirty="0"/>
+              <a:t>El performance es mucho más bajo que realizar consultas por JDBC. </a:t>
+            </a:r>
+          </a:p>
+          <a:p>
+            <a:r>
+              <a:rPr lang="es-MX" dirty="0"/>
+              <a:t>Puede representar una curva de aprendizaje más grande. </a:t>
+            </a:r>
           </a:p>
         </p:txBody>
       </p:sp>
